--- a/Course project/New Microsoft PowerPoint Presentation.pptx
+++ b/Course project/New Microsoft PowerPoint Presentation.pptx
@@ -3506,36 +3506,6 @@
           </a:prstGeom>
         </p:spPr>
       </p:pic>
-      <p:pic>
-        <p:nvPicPr>
-          <p:cNvPr id="7" name="Picture 6">
-            <a:extLst>
-              <a:ext uri="{FF2B5EF4-FFF2-40B4-BE49-F238E27FC236}">
-                <a16:creationId xmlns:a16="http://schemas.microsoft.com/office/drawing/2014/main" id="{88BC453F-3B00-01C1-8816-1981E2280692}"/>
-              </a:ext>
-            </a:extLst>
-          </p:cNvPr>
-          <p:cNvPicPr>
-            <a:picLocks noChangeAspect="1"/>
-          </p:cNvPicPr>
-          <p:nvPr/>
-        </p:nvPicPr>
-        <p:blipFill>
-          <a:blip r:embed="rId4"/>
-          <a:stretch>
-            <a:fillRect/>
-          </a:stretch>
-        </p:blipFill>
-        <p:spPr>
-          <a:xfrm>
-            <a:off x="6398497" y="1119874"/>
-            <a:ext cx="5601352" cy="4943270"/>
-          </a:xfrm>
-          <a:prstGeom prst="rect">
-            <a:avLst/>
-          </a:prstGeom>
-        </p:spPr>
-      </p:pic>
     </p:spTree>
     <p:extLst>
       <p:ext uri="{BB962C8B-B14F-4D97-AF65-F5344CB8AC3E}">
